--- a/Lectures/8 - Identifying Unusual Points in Regression.pptx
+++ b/Lectures/8 - Identifying Unusual Points in Regression.pptx
@@ -4521,7 +4521,7 @@
               <a:t>hw</a:t>
             </a:r>
             <a:r>
-              <a:rPr lang="en-US" sz="2000" b="0" dirty="0">
+              <a:rPr lang="en-US" sz="2000" b="0">
                 <a:solidFill>
                   <a:srgbClr val="660066"/>
                 </a:solidFill>
@@ -4530,8 +4530,17 @@
                 <a:ea typeface="+mn-ea"/>
                 <a:cs typeface="+mn-cs"/>
               </a:rPr>
-              <a:t> 4</a:t>
+              <a:t> 5</a:t>
             </a:r>
+            <a:endParaRPr lang="en-US" sz="2000" b="0" dirty="0">
+              <a:solidFill>
+                <a:srgbClr val="660066"/>
+              </a:solidFill>
+              <a:effectLst/>
+              <a:latin typeface="+mn-lt"/>
+              <a:ea typeface="+mn-ea"/>
+              <a:cs typeface="+mn-cs"/>
+            </a:endParaRPr>
           </a:p>
           <a:p>
             <a:pPr algn="l">
@@ -6317,8 +6326,8 @@
           </a:p>
         </p:txBody>
       </p:sp>
-      <mc:AlternateContent xmlns:mc="http://schemas.openxmlformats.org/markup-compatibility/2006">
-        <mc:Choice xmlns:a14="http://schemas.microsoft.com/office/drawing/2010/main" Requires="a14">
+      <mc:AlternateContent xmlns:mc="http://schemas.openxmlformats.org/markup-compatibility/2006" xmlns:a14="http://schemas.microsoft.com/office/drawing/2010/main">
+        <mc:Choice Requires="a14">
           <p:sp>
             <p:nvSpPr>
               <p:cNvPr id="7" name="TextBox 6">
@@ -6516,7 +6525,7 @@
             </p:txBody>
           </p:sp>
         </mc:Choice>
-        <mc:Fallback>
+        <mc:Fallback xmlns="">
           <p:sp>
             <p:nvSpPr>
               <p:cNvPr id="7" name="TextBox 6">
@@ -6566,8 +6575,8 @@
           </p:sp>
         </mc:Fallback>
       </mc:AlternateContent>
-      <mc:AlternateContent xmlns:mc="http://schemas.openxmlformats.org/markup-compatibility/2006">
-        <mc:Choice xmlns:a14="http://schemas.microsoft.com/office/drawing/2010/main" Requires="a14">
+      <mc:AlternateContent xmlns:mc="http://schemas.openxmlformats.org/markup-compatibility/2006" xmlns:a14="http://schemas.microsoft.com/office/drawing/2010/main">
+        <mc:Choice Requires="a14">
           <p:sp>
             <p:nvSpPr>
               <p:cNvPr id="11" name="TextBox 10">
@@ -6596,6 +6605,7 @@
               </a:bodyPr>
               <a:lstStyle/>
               <a:p>
+                <a:pPr/>
                 <a14:m>
                   <m:oMathPara xmlns:m="http://schemas.openxmlformats.org/officeDocument/2006/math">
                     <m:oMathParaPr>
@@ -6859,7 +6869,7 @@
             </p:txBody>
           </p:sp>
         </mc:Choice>
-        <mc:Fallback>
+        <mc:Fallback xmlns="">
           <p:sp>
             <p:nvSpPr>
               <p:cNvPr id="11" name="TextBox 10">
@@ -6904,8 +6914,8 @@
           </p:sp>
         </mc:Fallback>
       </mc:AlternateContent>
-      <mc:AlternateContent xmlns:mc="http://schemas.openxmlformats.org/markup-compatibility/2006">
-        <mc:Choice xmlns:a14="http://schemas.microsoft.com/office/drawing/2010/main" Requires="a14">
+      <mc:AlternateContent xmlns:mc="http://schemas.openxmlformats.org/markup-compatibility/2006" xmlns:a14="http://schemas.microsoft.com/office/drawing/2010/main">
+        <mc:Choice Requires="a14">
           <p:sp>
             <p:nvSpPr>
               <p:cNvPr id="13" name="TextBox 12">
@@ -6934,6 +6944,7 @@
               </a:bodyPr>
               <a:lstStyle/>
               <a:p>
+                <a:pPr/>
                 <a14:m>
                   <m:oMathPara xmlns:m="http://schemas.openxmlformats.org/officeDocument/2006/math">
                     <m:oMathParaPr>
@@ -7215,7 +7226,7 @@
             </p:txBody>
           </p:sp>
         </mc:Choice>
-        <mc:Fallback>
+        <mc:Fallback xmlns="">
           <p:sp>
             <p:nvSpPr>
               <p:cNvPr id="13" name="TextBox 12">
@@ -7260,8 +7271,8 @@
           </p:sp>
         </mc:Fallback>
       </mc:AlternateContent>
-      <mc:AlternateContent xmlns:mc="http://schemas.openxmlformats.org/markup-compatibility/2006">
-        <mc:Choice xmlns:a14="http://schemas.microsoft.com/office/drawing/2010/main" Requires="a14">
+      <mc:AlternateContent xmlns:mc="http://schemas.openxmlformats.org/markup-compatibility/2006" xmlns:a14="http://schemas.microsoft.com/office/drawing/2010/main">
+        <mc:Choice Requires="a14">
           <p:sp>
             <p:nvSpPr>
               <p:cNvPr id="14" name="TextBox 13">
@@ -7290,6 +7301,7 @@
               </a:bodyPr>
               <a:lstStyle/>
               <a:p>
+                <a:pPr/>
                 <a14:m>
                   <m:oMathPara xmlns:m="http://schemas.openxmlformats.org/officeDocument/2006/math">
                     <m:oMathParaPr>
@@ -7409,7 +7421,7 @@
             </p:txBody>
           </p:sp>
         </mc:Choice>
-        <mc:Fallback>
+        <mc:Fallback xmlns="">
           <p:sp>
             <p:nvSpPr>
               <p:cNvPr id="14" name="TextBox 13">
@@ -8800,8 +8812,8 @@
           </a:ln>
         </p:spPr>
       </p:pic>
-      <mc:AlternateContent xmlns:mc="http://schemas.openxmlformats.org/markup-compatibility/2006">
-        <mc:Choice xmlns:a14="http://schemas.microsoft.com/office/drawing/2010/main" Requires="a14">
+      <mc:AlternateContent xmlns:mc="http://schemas.openxmlformats.org/markup-compatibility/2006" xmlns:a14="http://schemas.microsoft.com/office/drawing/2010/main">
+        <mc:Choice Requires="a14">
           <p:sp>
             <p:nvSpPr>
               <p:cNvPr id="11" name="TextBox 10">
@@ -8830,6 +8842,7 @@
               </a:bodyPr>
               <a:lstStyle/>
               <a:p>
+                <a:pPr/>
                 <a14:m>
                   <m:oMathPara xmlns:m="http://schemas.openxmlformats.org/officeDocument/2006/math">
                     <m:oMathParaPr>
@@ -8915,7 +8928,7 @@
             </p:txBody>
           </p:sp>
         </mc:Choice>
-        <mc:Fallback>
+        <mc:Fallback xmlns="">
           <p:sp>
             <p:nvSpPr>
               <p:cNvPr id="11" name="TextBox 10">
@@ -9354,8 +9367,8 @@
           </a:p>
         </p:txBody>
       </p:sp>
-      <mc:AlternateContent xmlns:mc="http://schemas.openxmlformats.org/markup-compatibility/2006">
-        <mc:Choice xmlns:a14="http://schemas.microsoft.com/office/drawing/2010/main" Requires="a14">
+      <mc:AlternateContent xmlns:mc="http://schemas.openxmlformats.org/markup-compatibility/2006" xmlns:a14="http://schemas.microsoft.com/office/drawing/2010/main">
+        <mc:Choice Requires="a14">
           <p:sp>
             <p:nvSpPr>
               <p:cNvPr id="3" name="TextBox 2">
@@ -9384,6 +9397,7 @@
               </a:bodyPr>
               <a:lstStyle/>
               <a:p>
+                <a:pPr/>
                 <a14:m>
                   <m:oMathPara xmlns:m="http://schemas.openxmlformats.org/officeDocument/2006/math">
                     <m:oMathParaPr>
@@ -9553,7 +9567,7 @@
             </p:txBody>
           </p:sp>
         </mc:Choice>
-        <mc:Fallback>
+        <mc:Fallback xmlns="">
           <p:sp>
             <p:nvSpPr>
               <p:cNvPr id="3" name="TextBox 2">
@@ -9598,8 +9612,8 @@
           </p:sp>
         </mc:Fallback>
       </mc:AlternateContent>
-      <mc:AlternateContent xmlns:mc="http://schemas.openxmlformats.org/markup-compatibility/2006">
-        <mc:Choice xmlns:a14="http://schemas.microsoft.com/office/drawing/2010/main" Requires="a14">
+      <mc:AlternateContent xmlns:mc="http://schemas.openxmlformats.org/markup-compatibility/2006" xmlns:a14="http://schemas.microsoft.com/office/drawing/2010/main">
+        <mc:Choice Requires="a14">
           <p:sp>
             <p:nvSpPr>
               <p:cNvPr id="5" name="TextBox 4">
@@ -9628,6 +9642,7 @@
               </a:bodyPr>
               <a:lstStyle/>
               <a:p>
+                <a:pPr/>
                 <a14:m>
                   <m:oMathPara xmlns:m="http://schemas.openxmlformats.org/officeDocument/2006/math">
                     <m:oMathParaPr>
@@ -9841,7 +9856,7 @@
             </p:txBody>
           </p:sp>
         </mc:Choice>
-        <mc:Fallback>
+        <mc:Fallback xmlns="">
           <p:sp>
             <p:nvSpPr>
               <p:cNvPr id="5" name="TextBox 4">
@@ -10237,8 +10252,8 @@
           </a:p>
         </p:txBody>
       </p:sp>
-      <mc:AlternateContent xmlns:mc="http://schemas.openxmlformats.org/markup-compatibility/2006">
-        <mc:Choice xmlns:a14="http://schemas.microsoft.com/office/drawing/2010/main" Requires="a14">
+      <mc:AlternateContent xmlns:mc="http://schemas.openxmlformats.org/markup-compatibility/2006" xmlns:a14="http://schemas.microsoft.com/office/drawing/2010/main">
+        <mc:Choice Requires="a14">
           <p:sp>
             <p:nvSpPr>
               <p:cNvPr id="3" name="TextBox 2">
@@ -10449,7 +10464,7 @@
             </p:txBody>
           </p:sp>
         </mc:Choice>
-        <mc:Fallback>
+        <mc:Fallback xmlns="">
           <p:sp>
             <p:nvSpPr>
               <p:cNvPr id="3" name="TextBox 2">
@@ -10494,8 +10509,8 @@
           </p:sp>
         </mc:Fallback>
       </mc:AlternateContent>
-      <mc:AlternateContent xmlns:mc="http://schemas.openxmlformats.org/markup-compatibility/2006">
-        <mc:Choice xmlns:a14="http://schemas.microsoft.com/office/drawing/2010/main" Requires="a14">
+      <mc:AlternateContent xmlns:mc="http://schemas.openxmlformats.org/markup-compatibility/2006" xmlns:a14="http://schemas.microsoft.com/office/drawing/2010/main">
+        <mc:Choice Requires="a14">
           <p:sp>
             <p:nvSpPr>
               <p:cNvPr id="5" name="TextBox 4">
@@ -10535,13 +10550,7 @@
                         <a:rPr lang="en-US" b="0" i="1" smtClean="0">
                           <a:latin typeface="Cambria Math" panose="02040503050406030204" pitchFamily="18" charset="0"/>
                         </a:rPr>
-                        <m:t>𝑠𝑡𝑢</m:t>
-                      </m:r>
-                      <m:r>
-                        <a:rPr lang="en-US" b="0" i="1" smtClean="0">
-                          <a:latin typeface="Cambria Math" panose="02040503050406030204" pitchFamily="18" charset="0"/>
-                        </a:rPr>
-                        <m:t>𝑑𝑟𝑒</m:t>
+                        <m:t>𝑠𝑡𝑢𝑑𝑟𝑒</m:t>
                       </m:r>
                       <m:sSub>
                         <m:sSubPr>
@@ -10756,7 +10765,7 @@
             </p:txBody>
           </p:sp>
         </mc:Choice>
-        <mc:Fallback>
+        <mc:Fallback xmlns="">
           <p:sp>
             <p:nvSpPr>
               <p:cNvPr id="5" name="TextBox 4">
@@ -11129,8 +11138,8 @@
           </a:p>
         </p:txBody>
       </p:sp>
-      <mc:AlternateContent xmlns:mc="http://schemas.openxmlformats.org/markup-compatibility/2006">
-        <mc:Choice xmlns:a14="http://schemas.microsoft.com/office/drawing/2010/main" Requires="a14">
+      <mc:AlternateContent xmlns:mc="http://schemas.openxmlformats.org/markup-compatibility/2006" xmlns:a14="http://schemas.microsoft.com/office/drawing/2010/main">
+        <mc:Choice Requires="a14">
           <p:sp>
             <p:nvSpPr>
               <p:cNvPr id="3" name="TextBox 2">
@@ -11397,7 +11406,7 @@
             </p:txBody>
           </p:sp>
         </mc:Choice>
-        <mc:Fallback>
+        <mc:Fallback xmlns="">
           <p:sp>
             <p:nvSpPr>
               <p:cNvPr id="3" name="TextBox 2">
@@ -11804,8 +11813,8 @@
           </a:p>
         </p:txBody>
       </p:sp>
-      <mc:AlternateContent xmlns:mc="http://schemas.openxmlformats.org/markup-compatibility/2006">
-        <mc:Choice xmlns:a14="http://schemas.microsoft.com/office/drawing/2010/main" Requires="a14">
+      <mc:AlternateContent xmlns:mc="http://schemas.openxmlformats.org/markup-compatibility/2006" xmlns:a14="http://schemas.microsoft.com/office/drawing/2010/main">
+        <mc:Choice Requires="a14">
           <p:graphicFrame>
             <p:nvGraphicFramePr>
               <p:cNvPr id="4" name="Table 4">
@@ -12166,13 +12175,7 @@
                                 <a:rPr lang="en-US" b="0" i="1" smtClean="0">
                                   <a:latin typeface="Cambria Math" panose="02040503050406030204" pitchFamily="18" charset="0"/>
                                 </a:rPr>
-                                <m:t>±</m:t>
-                              </m:r>
-                              <m:r>
-                                <a:rPr lang="en-US" b="0" i="1" smtClean="0">
-                                  <a:latin typeface="Cambria Math" panose="02040503050406030204" pitchFamily="18" charset="0"/>
-                                </a:rPr>
-                                <m:t>3</m:t>
+                                <m:t>±3</m:t>
                               </m:r>
                             </m:oMath>
                           </a14:m>
@@ -12286,13 +12289,7 @@
                                 <a:rPr lang="en-US" b="0" i="1" smtClean="0">
                                   <a:latin typeface="Cambria Math" panose="02040503050406030204" pitchFamily="18" charset="0"/>
                                 </a:rPr>
-                                <m:t>±</m:t>
-                              </m:r>
-                              <m:r>
-                                <a:rPr lang="en-US" b="0" i="1" smtClean="0">
-                                  <a:latin typeface="Cambria Math" panose="02040503050406030204" pitchFamily="18" charset="0"/>
-                                </a:rPr>
-                                <m:t>3</m:t>
+                                <m:t>±3</m:t>
                               </m:r>
                             </m:oMath>
                           </a14:m>
@@ -12374,7 +12371,7 @@
             </a:graphic>
           </p:graphicFrame>
         </mc:Choice>
-        <mc:Fallback>
+        <mc:Fallback xmlns="">
           <p:graphicFrame>
             <p:nvGraphicFramePr>
               <p:cNvPr id="4" name="Table 4">
